--- a/Teachers/images/image_make.pptx
+++ b/Teachers/images/image_make.pptx
@@ -3535,14 +3535,15 @@
         </p:nvCxnSpPr>
         <p:spPr>
           <a:xfrm rot="16200000" flipH="1">
-            <a:off x="5267383" y="1510465"/>
-            <a:ext cx="1518248" cy="1152236"/>
+            <a:off x="5267382" y="1510464"/>
+            <a:ext cx="1518250" cy="1152235"/>
           </a:xfrm>
           <a:prstGeom prst="bentConnector3">
             <a:avLst>
-              <a:gd name="adj1" fmla="val 49498"/>
+              <a:gd name="adj1" fmla="val 50000"/>
             </a:avLst>
           </a:prstGeom>
+          <a:ln w="38100"/>
         </p:spPr>
         <p:style>
           <a:lnRef idx="2">
@@ -3575,14 +3576,15 @@
         </p:nvCxnSpPr>
         <p:spPr>
           <a:xfrm rot="5400000">
-            <a:off x="4074547" y="1469867"/>
-            <a:ext cx="1529034" cy="1222650"/>
+            <a:off x="4079939" y="1475258"/>
+            <a:ext cx="1518251" cy="1222650"/>
           </a:xfrm>
           <a:prstGeom prst="bentConnector3">
             <a:avLst>
               <a:gd name="adj1" fmla="val 50000"/>
             </a:avLst>
           </a:prstGeom>
+          <a:ln w="38100"/>
         </p:spPr>
         <p:style>
           <a:lnRef idx="2">
@@ -3624,6 +3626,7 @@
               <a:gd name="adj1" fmla="val 50000"/>
             </a:avLst>
           </a:prstGeom>
+          <a:ln w="38100"/>
         </p:spPr>
         <p:style>
           <a:lnRef idx="2">
@@ -3989,12 +3992,13 @@
         </p:nvCxnSpPr>
         <p:spPr>
           <a:xfrm>
-            <a:off x="6652461" y="4545371"/>
-            <a:ext cx="3370984" cy="663629"/>
+            <a:off x="7803887" y="4545371"/>
+            <a:ext cx="2219558" cy="663629"/>
           </a:xfrm>
           <a:prstGeom prst="bentConnector2">
             <a:avLst/>
           </a:prstGeom>
+          <a:ln w="38100"/>
         </p:spPr>
         <p:style>
           <a:lnRef idx="2">
@@ -4035,6 +4039,7 @@
               <a:gd name="adj1" fmla="val 50000"/>
             </a:avLst>
           </a:prstGeom>
+          <a:ln w="38100"/>
         </p:spPr>
         <p:style>
           <a:lnRef idx="2">
@@ -4238,12 +4243,13 @@
         </p:nvCxnSpPr>
         <p:spPr>
           <a:xfrm rot="10800000" flipV="1">
-            <a:off x="1918685" y="4545375"/>
-            <a:ext cx="2249896" cy="663626"/>
+            <a:off x="1918686" y="4545371"/>
+            <a:ext cx="1209527" cy="663630"/>
           </a:xfrm>
           <a:prstGeom prst="bentConnector2">
             <a:avLst/>
           </a:prstGeom>
+          <a:ln w="38100"/>
         </p:spPr>
         <p:style>
           <a:lnRef idx="2">
